--- a/course_resources/slides/Used/013_categorical_features.pptx
+++ b/course_resources/slides/Used/013_categorical_features.pptx
@@ -3680,17 +3680,17 @@
         </p:nvSpPr>
         <p:spPr>
           <a:xfrm>
-            <a:off x="1451579" y="2015732"/>
-            <a:ext cx="9603275" cy="4037749"/>
-          </a:xfrm>
-        </p:spPr>
-        <p:txBody>
-          <a:bodyPr/>
-          <a:lstStyle/>
-          <a:p>
-            <a:r>
-              <a:rPr lang="en-US" dirty="0"/>
-              <a:t>Today – more making models.</a:t>
+            <a:off x="1451579" y="1853754"/>
+            <a:ext cx="9603275" cy="4199727"/>
+          </a:xfrm>
+        </p:spPr>
+        <p:txBody>
+          <a:bodyPr/>
+          <a:lstStyle/>
+          <a:p>
+            <a:r>
+              <a:rPr lang="en-US" dirty="0"/>
+              <a:t>Today – more making models (workbook 011)</a:t>
             </a:r>
           </a:p>
           <a:p>
@@ -3711,7 +3711,52 @@
             <a:pPr lvl="1"/>
             <a:r>
               <a:rPr lang="en-US" dirty="0"/>
-              <a:t>Practice with regression. </a:t>
+              <a:t>Practice with regression. This is really the most important – do the steps </a:t>
+            </a:r>
+            <a:r>
+              <a:rPr lang="en-US"/>
+              <a:t>make sense?</a:t>
+            </a:r>
+            <a:endParaRPr lang="en-US" dirty="0"/>
+          </a:p>
+          <a:p>
+            <a:r>
+              <a:rPr lang="en-US" dirty="0"/>
+              <a:t>Next – imputation and pipelines – the tools we need to handle generic problems. </a:t>
+            </a:r>
+          </a:p>
+          <a:p>
+            <a:r>
+              <a:rPr lang="en-US" dirty="0"/>
+              <a:t>Read – Intro to Machine Learning in Python (PDF on Moodle). </a:t>
+            </a:r>
+          </a:p>
+          <a:p>
+            <a:pPr lvl="1"/>
+            <a:r>
+              <a:rPr lang="en-US" dirty="0"/>
+              <a:t>Chapter 1 (intro, some of the details on libraries and stuff you can skip). </a:t>
+            </a:r>
+          </a:p>
+          <a:p>
+            <a:pPr lvl="1"/>
+            <a:r>
+              <a:rPr lang="en-US" dirty="0"/>
+              <a:t>Chapter 2 – Intro part (~27), “Linear Models” (~47 – not the classification parts). </a:t>
+            </a:r>
+          </a:p>
+          <a:p>
+            <a:pPr lvl="1"/>
+            <a:r>
+              <a:rPr lang="en-US" dirty="0"/>
+              <a:t>Chapter 4 – Categorical and One-Hot Encoding. </a:t>
+            </a:r>
+          </a:p>
+          <a:p>
+            <a:pPr lvl="1"/>
+            <a:r>
+              <a:rPr lang="en-US" dirty="0"/>
+              <a:t>The text ‘chunks’ things in a somewhat awkward way – ignore things we haven’t touched. </a:t>
             </a:r>
           </a:p>
         </p:txBody>
@@ -5796,6 +5841,12 @@
           <a:p>
             <a:r>
               <a:rPr lang="en-US" dirty="0"/>
+              <a:t>Math doesn’t work with words, so we must remove them. </a:t>
+            </a:r>
+          </a:p>
+          <a:p>
+            <a:r>
+              <a:rPr lang="en-US" dirty="0"/>
               <a:t>There are several ways to do this. </a:t>
             </a:r>
           </a:p>
@@ -5807,7 +5858,11 @@
             </a:r>
           </a:p>
           <a:p>
-            <a:endParaRPr lang="en-US" dirty="0"/>
+            <a:pPr lvl="1"/>
+            <a:r>
+              <a:rPr lang="en-US" dirty="0"/>
+              <a:t>I.e. we need the converted data to mean the same as the original data. </a:t>
+            </a:r>
           </a:p>
         </p:txBody>
       </p:sp>
